--- a/Final Project/Rock Paper Scissors Problem.pptx
+++ b/Final Project/Rock Paper Scissors Problem.pptx
@@ -5,7 +5,7 @@
     <p:sldMasterId id="2147483648" r:id="rId1"/>
   </p:sldMasterIdLst>
   <p:notesMasterIdLst>
-    <p:notesMasterId r:id="rId21"/>
+    <p:notesMasterId r:id="rId22"/>
   </p:notesMasterIdLst>
   <p:sldIdLst>
     <p:sldId id="256" r:id="rId2"/>
@@ -21,12 +21,13 @@
     <p:sldId id="274" r:id="rId12"/>
     <p:sldId id="275" r:id="rId13"/>
     <p:sldId id="276" r:id="rId14"/>
-    <p:sldId id="263" r:id="rId15"/>
-    <p:sldId id="264" r:id="rId16"/>
-    <p:sldId id="265" r:id="rId17"/>
-    <p:sldId id="266" r:id="rId18"/>
-    <p:sldId id="277" r:id="rId19"/>
-    <p:sldId id="278" r:id="rId20"/>
+    <p:sldId id="279" r:id="rId15"/>
+    <p:sldId id="263" r:id="rId16"/>
+    <p:sldId id="264" r:id="rId17"/>
+    <p:sldId id="265" r:id="rId18"/>
+    <p:sldId id="266" r:id="rId19"/>
+    <p:sldId id="277" r:id="rId20"/>
+    <p:sldId id="278" r:id="rId21"/>
   </p:sldIdLst>
   <p:sldSz cx="12192000" cy="6858000"/>
   <p:notesSz cx="6858000" cy="9144000"/>
@@ -331,7 +332,7 @@
           <a:p>
             <a:fld id="{DBACF75E-E9E0-46CD-9F03-1FE843A7A4FB}" type="datetimeFigureOut">
               <a:rPr lang="en-US" smtClean="0"/>
-              <a:t>12/29/2021</a:t>
+              <a:t>1/1/2022</a:t>
             </a:fld>
             <a:endParaRPr lang="en-US"/>
           </a:p>
@@ -708,6 +709,90 @@
 </p:notes>
 </file>
 
+<file path=ppt/notesSlides/notesSlide10.xml><?xml version="1.0" encoding="utf-8"?>
+<p:notes xmlns:a="http://schemas.openxmlformats.org/drawingml/2006/main" xmlns:r="http://schemas.openxmlformats.org/officeDocument/2006/relationships" xmlns:p="http://schemas.openxmlformats.org/presentationml/2006/main">
+  <p:cSld>
+    <p:spTree>
+      <p:nvGrpSpPr>
+        <p:cNvPr id="1" name=""/>
+        <p:cNvGrpSpPr/>
+        <p:nvPr/>
+      </p:nvGrpSpPr>
+      <p:grpSpPr>
+        <a:xfrm>
+          <a:off x="0" y="0"/>
+          <a:ext cx="0" cy="0"/>
+          <a:chOff x="0" y="0"/>
+          <a:chExt cx="0" cy="0"/>
+        </a:xfrm>
+      </p:grpSpPr>
+      <p:sp>
+        <p:nvSpPr>
+          <p:cNvPr id="2" name="מציין מיקום של תמונת שקופית 1"/>
+          <p:cNvSpPr>
+            <a:spLocks noGrp="1" noRot="1" noChangeAspect="1"/>
+          </p:cNvSpPr>
+          <p:nvPr>
+            <p:ph type="sldImg"/>
+          </p:nvPr>
+        </p:nvSpPr>
+        <p:spPr/>
+      </p:sp>
+      <p:sp>
+        <p:nvSpPr>
+          <p:cNvPr id="3" name="מציין מיקום של הערות 2"/>
+          <p:cNvSpPr>
+            <a:spLocks noGrp="1"/>
+          </p:cNvSpPr>
+          <p:nvPr>
+            <p:ph type="body" idx="1"/>
+          </p:nvPr>
+        </p:nvSpPr>
+        <p:spPr/>
+        <p:txBody>
+          <a:bodyPr/>
+          <a:lstStyle/>
+          <a:p>
+            <a:endParaRPr lang="en-US"/>
+          </a:p>
+        </p:txBody>
+      </p:sp>
+      <p:sp>
+        <p:nvSpPr>
+          <p:cNvPr id="4" name="מציין מיקום של מספר שקופית 3"/>
+          <p:cNvSpPr>
+            <a:spLocks noGrp="1"/>
+          </p:cNvSpPr>
+          <p:nvPr>
+            <p:ph type="sldNum" sz="quarter" idx="5"/>
+          </p:nvPr>
+        </p:nvSpPr>
+        <p:spPr/>
+        <p:txBody>
+          <a:bodyPr/>
+          <a:lstStyle/>
+          <a:p>
+            <a:fld id="{FB1E8730-ACE8-464E-9566-9727F7F78D3C}" type="slidenum">
+              <a:rPr lang="en-US" smtClean="0"/>
+              <a:t>14</a:t>
+            </a:fld>
+            <a:endParaRPr lang="en-US"/>
+          </a:p>
+        </p:txBody>
+      </p:sp>
+    </p:spTree>
+    <p:extLst>
+      <p:ext uri="{BB962C8B-B14F-4D97-AF65-F5344CB8AC3E}">
+        <p14:creationId xmlns:p14="http://schemas.microsoft.com/office/powerpoint/2010/main" val="984755541"/>
+      </p:ext>
+    </p:extLst>
+  </p:cSld>
+  <p:clrMapOvr>
+    <a:masterClrMapping/>
+  </p:clrMapOvr>
+</p:notes>
+</file>
+
 <file path=ppt/notesSlides/notesSlide2.xml><?xml version="1.0" encoding="utf-8"?>
 <p:notes xmlns:a="http://schemas.openxmlformats.org/drawingml/2006/main" xmlns:r="http://schemas.openxmlformats.org/officeDocument/2006/relationships" xmlns:p="http://schemas.openxmlformats.org/presentationml/2006/main">
   <p:cSld>
@@ -1788,7 +1873,7 @@
             <a:fld id="{B61BEF0D-F0BB-DE4B-95CE-6DB70DBA9567}" type="datetimeFigureOut">
               <a:rPr lang="en-US" dirty="0"/>
               <a:pPr/>
-              <a:t>12/29/2021</a:t>
+              <a:t>1/1/2022</a:t>
             </a:fld>
             <a:endParaRPr lang="en-US" dirty="0"/>
           </a:p>
@@ -2047,7 +2132,7 @@
             <a:fld id="{B61BEF0D-F0BB-DE4B-95CE-6DB70DBA9567}" type="datetimeFigureOut">
               <a:rPr lang="en-US" dirty="0"/>
               <a:pPr/>
-              <a:t>12/29/2021</a:t>
+              <a:t>1/1/2022</a:t>
             </a:fld>
             <a:endParaRPr lang="en-US" dirty="0"/>
           </a:p>
@@ -2279,7 +2364,7 @@
             <a:fld id="{B61BEF0D-F0BB-DE4B-95CE-6DB70DBA9567}" type="datetimeFigureOut">
               <a:rPr lang="en-US" dirty="0"/>
               <a:pPr/>
-              <a:t>12/29/2021</a:t>
+              <a:t>1/1/2022</a:t>
             </a:fld>
             <a:endParaRPr lang="en-US" dirty="0"/>
           </a:p>
@@ -2516,7 +2601,7 @@
             <a:fld id="{B61BEF0D-F0BB-DE4B-95CE-6DB70DBA9567}" type="datetimeFigureOut">
               <a:rPr lang="en-US" dirty="0"/>
               <a:pPr/>
-              <a:t>12/29/2021</a:t>
+              <a:t>1/1/2022</a:t>
             </a:fld>
             <a:endParaRPr lang="en-US" dirty="0"/>
           </a:p>
@@ -2820,7 +2905,7 @@
             <a:fld id="{B61BEF0D-F0BB-DE4B-95CE-6DB70DBA9567}" type="datetimeFigureOut">
               <a:rPr lang="en-US" dirty="0"/>
               <a:pPr/>
-              <a:t>12/29/2021</a:t>
+              <a:t>1/1/2022</a:t>
             </a:fld>
             <a:endParaRPr lang="en-US" dirty="0"/>
           </a:p>
@@ -3119,7 +3204,7 @@
             <a:fld id="{B61BEF0D-F0BB-DE4B-95CE-6DB70DBA9567}" type="datetimeFigureOut">
               <a:rPr lang="en-US" dirty="0"/>
               <a:pPr/>
-              <a:t>12/29/2021</a:t>
+              <a:t>1/1/2022</a:t>
             </a:fld>
             <a:endParaRPr lang="en-US" dirty="0"/>
           </a:p>
@@ -3538,7 +3623,7 @@
             <a:fld id="{B61BEF0D-F0BB-DE4B-95CE-6DB70DBA9567}" type="datetimeFigureOut">
               <a:rPr lang="en-US" dirty="0"/>
               <a:pPr/>
-              <a:t>12/29/2021</a:t>
+              <a:t>1/1/2022</a:t>
             </a:fld>
             <a:endParaRPr lang="en-US" dirty="0"/>
           </a:p>
@@ -3697,7 +3782,7 @@
             <a:fld id="{B61BEF0D-F0BB-DE4B-95CE-6DB70DBA9567}" type="datetimeFigureOut">
               <a:rPr lang="en-US" dirty="0"/>
               <a:pPr/>
-              <a:t>12/29/2021</a:t>
+              <a:t>1/1/2022</a:t>
             </a:fld>
             <a:endParaRPr lang="en-US" dirty="0"/>
           </a:p>
@@ -3789,7 +3874,7 @@
             <a:fld id="{B61BEF0D-F0BB-DE4B-95CE-6DB70DBA9567}" type="datetimeFigureOut">
               <a:rPr lang="en-US" dirty="0"/>
               <a:pPr/>
-              <a:t>12/29/2021</a:t>
+              <a:t>1/1/2022</a:t>
             </a:fld>
             <a:endParaRPr lang="en-US" dirty="0"/>
           </a:p>
@@ -4164,7 +4249,7 @@
             <a:fld id="{B61BEF0D-F0BB-DE4B-95CE-6DB70DBA9567}" type="datetimeFigureOut">
               <a:rPr lang="en-US" dirty="0"/>
               <a:pPr/>
-              <a:t>12/29/2021</a:t>
+              <a:t>1/1/2022</a:t>
             </a:fld>
             <a:endParaRPr lang="en-US" dirty="0"/>
           </a:p>
@@ -4450,7 +4535,7 @@
             <a:fld id="{B61BEF0D-F0BB-DE4B-95CE-6DB70DBA9567}" type="datetimeFigureOut">
               <a:rPr lang="en-US" dirty="0"/>
               <a:pPr/>
-              <a:t>12/29/2021</a:t>
+              <a:t>1/1/2022</a:t>
             </a:fld>
             <a:endParaRPr lang="en-US" dirty="0"/>
           </a:p>
@@ -4658,7 +4743,7 @@
             <a:fld id="{B61BEF0D-F0BB-DE4B-95CE-6DB70DBA9567}" type="datetimeFigureOut">
               <a:rPr lang="en-US" dirty="0"/>
               <a:pPr/>
-              <a:t>12/29/2021</a:t>
+              <a:t>1/1/2022</a:t>
             </a:fld>
             <a:endParaRPr lang="en-US" dirty="0"/>
           </a:p>
@@ -6177,6 +6262,140 @@
       </p:grpSpPr>
       <p:sp>
         <p:nvSpPr>
+          <p:cNvPr id="2" name="כותרת 1">
+            <a:extLst>
+              <a:ext uri="{FF2B5EF4-FFF2-40B4-BE49-F238E27FC236}">
+                <a16:creationId xmlns:a16="http://schemas.microsoft.com/office/drawing/2014/main" id="{94362960-29E4-4DD6-8A53-8CFFDB527193}"/>
+              </a:ext>
+            </a:extLst>
+          </p:cNvPr>
+          <p:cNvSpPr>
+            <a:spLocks noGrp="1"/>
+          </p:cNvSpPr>
+          <p:nvPr>
+            <p:ph type="title"/>
+          </p:nvPr>
+        </p:nvSpPr>
+        <p:spPr/>
+        <p:txBody>
+          <a:bodyPr/>
+          <a:lstStyle/>
+          <a:p>
+            <a:r>
+              <a:rPr lang="en-US"/>
+              <a:t>Keras tuner – hyper parameter</a:t>
+            </a:r>
+          </a:p>
+        </p:txBody>
+      </p:sp>
+      <p:sp>
+        <p:nvSpPr>
+          <p:cNvPr id="3" name="מציין מיקום תוכן 2">
+            <a:extLst>
+              <a:ext uri="{FF2B5EF4-FFF2-40B4-BE49-F238E27FC236}">
+                <a16:creationId xmlns:a16="http://schemas.microsoft.com/office/drawing/2014/main" id="{76DA792C-A3D0-4376-8E7F-132561A15E59}"/>
+              </a:ext>
+            </a:extLst>
+          </p:cNvPr>
+          <p:cNvSpPr>
+            <a:spLocks noGrp="1"/>
+          </p:cNvSpPr>
+          <p:nvPr>
+            <p:ph idx="1"/>
+          </p:nvPr>
+        </p:nvSpPr>
+        <p:spPr>
+          <a:xfrm>
+            <a:off x="581193" y="869489"/>
+            <a:ext cx="11029615" cy="3678303"/>
+          </a:xfrm>
+        </p:spPr>
+        <p:txBody>
+          <a:bodyPr/>
+          <a:lstStyle/>
+          <a:p>
+            <a:pPr marL="0" indent="0">
+              <a:lnSpc>
+                <a:spcPct val="150000"/>
+              </a:lnSpc>
+              <a:buNone/>
+            </a:pPr>
+            <a:r>
+              <a:rPr lang="en-US" b="0" i="0">
+                <a:solidFill>
+                  <a:srgbClr val="212529"/>
+                </a:solidFill>
+                <a:effectLst/>
+                <a:latin typeface="Open Sans" panose="020B0606030504020204" pitchFamily="34" charset="0"/>
+              </a:rPr>
+              <a:t>KerasTuner is an easy-to-use, scalable hyperparameter optimization framework that solves the pain points of hyperparameter search. Easily configure your search space with a define-by-run syntax, then leverage one of the available search algorithms to find the best hyperparameter values for your models.</a:t>
+            </a:r>
+            <a:endParaRPr lang="en-US"/>
+          </a:p>
+        </p:txBody>
+      </p:sp>
+      <p:pic>
+        <p:nvPicPr>
+          <p:cNvPr id="5" name="תמונה 4">
+            <a:extLst>
+              <a:ext uri="{FF2B5EF4-FFF2-40B4-BE49-F238E27FC236}">
+                <a16:creationId xmlns:a16="http://schemas.microsoft.com/office/drawing/2014/main" id="{6E9F9BD2-E3EC-41D6-A0AE-2840F6EF6395}"/>
+              </a:ext>
+            </a:extLst>
+          </p:cNvPr>
+          <p:cNvPicPr>
+            <a:picLocks noChangeAspect="1"/>
+          </p:cNvPicPr>
+          <p:nvPr/>
+        </p:nvPicPr>
+        <p:blipFill>
+          <a:blip r:embed="rId3"/>
+          <a:stretch>
+            <a:fillRect/>
+          </a:stretch>
+        </p:blipFill>
+        <p:spPr>
+          <a:xfrm>
+            <a:off x="1856783" y="3620999"/>
+            <a:ext cx="8478433" cy="2810267"/>
+          </a:xfrm>
+          <a:prstGeom prst="rect">
+            <a:avLst/>
+          </a:prstGeom>
+        </p:spPr>
+      </p:pic>
+    </p:spTree>
+    <p:extLst>
+      <p:ext uri="{BB962C8B-B14F-4D97-AF65-F5344CB8AC3E}">
+        <p14:creationId xmlns:p14="http://schemas.microsoft.com/office/powerpoint/2010/main" val="2525718679"/>
+      </p:ext>
+    </p:extLst>
+  </p:cSld>
+  <p:clrMapOvr>
+    <a:masterClrMapping/>
+  </p:clrMapOvr>
+</p:sld>
+</file>
+
+<file path=ppt/slides/slide15.xml><?xml version="1.0" encoding="utf-8"?>
+<p:sld xmlns:a="http://schemas.openxmlformats.org/drawingml/2006/main" xmlns:r="http://schemas.openxmlformats.org/officeDocument/2006/relationships" xmlns:p="http://schemas.openxmlformats.org/presentationml/2006/main">
+  <p:cSld>
+    <p:spTree>
+      <p:nvGrpSpPr>
+        <p:cNvPr id="1" name=""/>
+        <p:cNvGrpSpPr/>
+        <p:nvPr/>
+      </p:nvGrpSpPr>
+      <p:grpSpPr>
+        <a:xfrm>
+          <a:off x="0" y="0"/>
+          <a:ext cx="0" cy="0"/>
+          <a:chOff x="0" y="0"/>
+          <a:chExt cx="0" cy="0"/>
+        </a:xfrm>
+      </p:grpSpPr>
+      <p:sp>
+        <p:nvSpPr>
           <p:cNvPr id="2" name="Title 1">
             <a:extLst>
               <a:ext uri="{FF2B5EF4-FFF2-40B4-BE49-F238E27FC236}">
@@ -6398,7 +6617,7 @@
 </p:sld>
 </file>
 
-<file path=ppt/slides/slide15.xml><?xml version="1.0" encoding="utf-8"?>
+<file path=ppt/slides/slide16.xml><?xml version="1.0" encoding="utf-8"?>
 <p:sld xmlns:a="http://schemas.openxmlformats.org/drawingml/2006/main" xmlns:r="http://schemas.openxmlformats.org/officeDocument/2006/relationships" xmlns:p="http://schemas.openxmlformats.org/presentationml/2006/main">
   <p:cSld>
     <p:spTree>
@@ -6801,7 +7020,7 @@
 </p:sld>
 </file>
 
-<file path=ppt/slides/slide16.xml><?xml version="1.0" encoding="utf-8"?>
+<file path=ppt/slides/slide17.xml><?xml version="1.0" encoding="utf-8"?>
 <p:sld xmlns:a="http://schemas.openxmlformats.org/drawingml/2006/main" xmlns:r="http://schemas.openxmlformats.org/officeDocument/2006/relationships" xmlns:p="http://schemas.openxmlformats.org/presentationml/2006/main">
   <p:cSld>
     <p:spTree>
@@ -7425,7 +7644,7 @@
 </p:sld>
 </file>
 
-<file path=ppt/slides/slide17.xml><?xml version="1.0" encoding="utf-8"?>
+<file path=ppt/slides/slide18.xml><?xml version="1.0" encoding="utf-8"?>
 <p:sld xmlns:a="http://schemas.openxmlformats.org/drawingml/2006/main" xmlns:r="http://schemas.openxmlformats.org/officeDocument/2006/relationships" xmlns:p="http://schemas.openxmlformats.org/presentationml/2006/main">
   <p:cSld>
     <p:spTree>
@@ -7867,89 +8086,6 @@
 </p:sld>
 </file>
 
-<file path=ppt/slides/slide18.xml><?xml version="1.0" encoding="utf-8"?>
-<p:sld xmlns:a="http://schemas.openxmlformats.org/drawingml/2006/main" xmlns:r="http://schemas.openxmlformats.org/officeDocument/2006/relationships" xmlns:p="http://schemas.openxmlformats.org/presentationml/2006/main">
-  <p:cSld>
-    <p:spTree>
-      <p:nvGrpSpPr>
-        <p:cNvPr id="1" name=""/>
-        <p:cNvGrpSpPr/>
-        <p:nvPr/>
-      </p:nvGrpSpPr>
-      <p:grpSpPr>
-        <a:xfrm>
-          <a:off x="0" y="0"/>
-          <a:ext cx="0" cy="0"/>
-          <a:chOff x="0" y="0"/>
-          <a:chExt cx="0" cy="0"/>
-        </a:xfrm>
-      </p:grpSpPr>
-      <p:sp>
-        <p:nvSpPr>
-          <p:cNvPr id="2" name="כותרת 1">
-            <a:extLst>
-              <a:ext uri="{FF2B5EF4-FFF2-40B4-BE49-F238E27FC236}">
-                <a16:creationId xmlns:a16="http://schemas.microsoft.com/office/drawing/2014/main" id="{0F5A101D-5E07-4419-A24E-1115ACB407CF}"/>
-              </a:ext>
-            </a:extLst>
-          </p:cNvPr>
-          <p:cNvSpPr>
-            <a:spLocks noGrp="1"/>
-          </p:cNvSpPr>
-          <p:nvPr>
-            <p:ph type="title"/>
-          </p:nvPr>
-        </p:nvSpPr>
-        <p:spPr/>
-        <p:txBody>
-          <a:bodyPr/>
-          <a:lstStyle/>
-          <a:p>
-            <a:r>
-              <a:rPr lang="en-US"/>
-              <a:t>RESULTS</a:t>
-            </a:r>
-          </a:p>
-        </p:txBody>
-      </p:sp>
-      <p:sp>
-        <p:nvSpPr>
-          <p:cNvPr id="3" name="מציין מיקום תוכן 2">
-            <a:extLst>
-              <a:ext uri="{FF2B5EF4-FFF2-40B4-BE49-F238E27FC236}">
-                <a16:creationId xmlns:a16="http://schemas.microsoft.com/office/drawing/2014/main" id="{1BCE176C-8CAD-448F-BF59-E1EB235C6083}"/>
-              </a:ext>
-            </a:extLst>
-          </p:cNvPr>
-          <p:cNvSpPr>
-            <a:spLocks noGrp="1"/>
-          </p:cNvSpPr>
-          <p:nvPr>
-            <p:ph idx="1"/>
-          </p:nvPr>
-        </p:nvSpPr>
-        <p:spPr/>
-        <p:txBody>
-          <a:bodyPr/>
-          <a:lstStyle/>
-          <a:p>
-            <a:endParaRPr lang="en-US"/>
-          </a:p>
-        </p:txBody>
-      </p:sp>
-    </p:spTree>
-    <p:extLst>
-      <p:ext uri="{BB962C8B-B14F-4D97-AF65-F5344CB8AC3E}">
-        <p14:creationId xmlns:p14="http://schemas.microsoft.com/office/powerpoint/2010/main" val="2267438700"/>
-      </p:ext>
-    </p:extLst>
-  </p:cSld>
-  <p:clrMapOvr>
-    <a:masterClrMapping/>
-  </p:clrMapOvr>
-</p:sld>
-</file>
-
 <file path=ppt/slides/slide19.xml><?xml version="1.0" encoding="utf-8"?>
 <p:sld xmlns:a="http://schemas.openxmlformats.org/drawingml/2006/main" xmlns:r="http://schemas.openxmlformats.org/officeDocument/2006/relationships" xmlns:p="http://schemas.openxmlformats.org/presentationml/2006/main">
   <p:cSld>
@@ -7972,7 +8108,7 @@
           <p:cNvPr id="2" name="כותרת 1">
             <a:extLst>
               <a:ext uri="{FF2B5EF4-FFF2-40B4-BE49-F238E27FC236}">
-                <a16:creationId xmlns:a16="http://schemas.microsoft.com/office/drawing/2014/main" id="{536398F8-96B7-4D67-B796-B1B230F415F4}"/>
+                <a16:creationId xmlns:a16="http://schemas.microsoft.com/office/drawing/2014/main" id="{0F5A101D-5E07-4419-A24E-1115ACB407CF}"/>
               </a:ext>
             </a:extLst>
           </p:cNvPr>
@@ -7990,40 +8126,623 @@
           <a:p>
             <a:r>
               <a:rPr lang="en-US"/>
-              <a:t>CONCLUSIONS</a:t>
-            </a:r>
-          </a:p>
-        </p:txBody>
-      </p:sp>
-      <p:sp>
-        <p:nvSpPr>
-          <p:cNvPr id="3" name="מציין מיקום תוכן 2">
+              <a:t>RESULTS</a:t>
+            </a:r>
+          </a:p>
+        </p:txBody>
+      </p:sp>
+      <p:graphicFrame>
+        <p:nvGraphicFramePr>
+          <p:cNvPr id="4" name="מציין מיקום תוכן 3">
             <a:extLst>
               <a:ext uri="{FF2B5EF4-FFF2-40B4-BE49-F238E27FC236}">
-                <a16:creationId xmlns:a16="http://schemas.microsoft.com/office/drawing/2014/main" id="{EE30DDD9-FD29-49AE-8A76-B70A1E59C009}"/>
+                <a16:creationId xmlns:a16="http://schemas.microsoft.com/office/drawing/2014/main" id="{F4C2E96C-74EB-4EF2-AB2F-121CAAA09F5B}"/>
               </a:ext>
             </a:extLst>
           </p:cNvPr>
-          <p:cNvSpPr>
-            <a:spLocks noGrp="1"/>
-          </p:cNvSpPr>
+          <p:cNvGraphicFramePr>
+            <a:graphicFrameLocks noGrp="1"/>
+          </p:cNvGraphicFramePr>
           <p:nvPr>
             <p:ph idx="1"/>
-          </p:nvPr>
-        </p:nvSpPr>
-        <p:spPr/>
-        <p:txBody>
-          <a:bodyPr/>
-          <a:lstStyle/>
-          <a:p>
-            <a:endParaRPr lang="en-US"/>
-          </a:p>
-        </p:txBody>
-      </p:sp>
+            <p:extLst>
+              <p:ext uri="{D42A27DB-BD31-4B8C-83A1-F6EECF244321}">
+                <p14:modId xmlns:p14="http://schemas.microsoft.com/office/powerpoint/2010/main" val="237652330"/>
+              </p:ext>
+            </p:extLst>
+          </p:nvPr>
+        </p:nvGraphicFramePr>
+        <p:xfrm>
+          <a:off x="738554" y="2344615"/>
+          <a:ext cx="10081844" cy="4206434"/>
+        </p:xfrm>
+        <a:graphic>
+          <a:graphicData uri="http://schemas.openxmlformats.org/drawingml/2006/table">
+            <a:tbl>
+              <a:tblPr firstRow="1" firstCol="1" bandRow="1">
+                <a:tableStyleId>{5C22544A-7EE6-4342-B048-85BDC9FD1C3A}</a:tableStyleId>
+              </a:tblPr>
+              <a:tblGrid>
+                <a:gridCol w="2015851">
+                  <a:extLst>
+                    <a:ext uri="{9D8B030D-6E8A-4147-A177-3AD203B41FA5}">
+                      <a16:colId xmlns:a16="http://schemas.microsoft.com/office/drawing/2014/main" val="4253738073"/>
+                    </a:ext>
+                  </a:extLst>
+                </a:gridCol>
+                <a:gridCol w="2015851">
+                  <a:extLst>
+                    <a:ext uri="{9D8B030D-6E8A-4147-A177-3AD203B41FA5}">
+                      <a16:colId xmlns:a16="http://schemas.microsoft.com/office/drawing/2014/main" val="731336424"/>
+                    </a:ext>
+                  </a:extLst>
+                </a:gridCol>
+                <a:gridCol w="2016714">
+                  <a:extLst>
+                    <a:ext uri="{9D8B030D-6E8A-4147-A177-3AD203B41FA5}">
+                      <a16:colId xmlns:a16="http://schemas.microsoft.com/office/drawing/2014/main" val="855329753"/>
+                    </a:ext>
+                  </a:extLst>
+                </a:gridCol>
+                <a:gridCol w="2016714">
+                  <a:extLst>
+                    <a:ext uri="{9D8B030D-6E8A-4147-A177-3AD203B41FA5}">
+                      <a16:colId xmlns:a16="http://schemas.microsoft.com/office/drawing/2014/main" val="1633550259"/>
+                    </a:ext>
+                  </a:extLst>
+                </a:gridCol>
+                <a:gridCol w="2016714">
+                  <a:extLst>
+                    <a:ext uri="{9D8B030D-6E8A-4147-A177-3AD203B41FA5}">
+                      <a16:colId xmlns:a16="http://schemas.microsoft.com/office/drawing/2014/main" val="2304351830"/>
+                    </a:ext>
+                  </a:extLst>
+                </a:gridCol>
+              </a:tblGrid>
+              <a:tr h="2128586">
+                <a:tc>
+                  <a:txBody>
+                    <a:bodyPr/>
+                    <a:lstStyle/>
+                    <a:p>
+                      <a:pPr marL="0" marR="114300" indent="0" algn="ctr" rtl="0">
+                        <a:lnSpc>
+                          <a:spcPct val="150000"/>
+                        </a:lnSpc>
+                        <a:spcBef>
+                          <a:spcPts val="0"/>
+                        </a:spcBef>
+                        <a:spcAft>
+                          <a:spcPts val="0"/>
+                        </a:spcAft>
+                      </a:pPr>
+                      <a:r>
+                        <a:rPr lang="en-US" sz="2400" b="1">
+                          <a:effectLst/>
+                        </a:rPr>
+                        <a:t> </a:t>
+                      </a:r>
+                      <a:endParaRPr lang="en-US" sz="2000" b="1">
+                        <a:effectLst/>
+                        <a:latin typeface="Calibri" panose="020F0502020204030204" pitchFamily="34" charset="0"/>
+                        <a:ea typeface="Calibri" panose="020F0502020204030204" pitchFamily="34" charset="0"/>
+                        <a:cs typeface="Arial" panose="020B0604020202020204" pitchFamily="34" charset="0"/>
+                      </a:endParaRPr>
+                    </a:p>
+                  </a:txBody>
+                  <a:tcPr marL="68580" marR="68580" marT="0" marB="0"/>
+                </a:tc>
+                <a:tc>
+                  <a:txBody>
+                    <a:bodyPr/>
+                    <a:lstStyle/>
+                    <a:p>
+                      <a:pPr marL="0" marR="118745" indent="0" algn="ctr" rtl="0">
+                        <a:lnSpc>
+                          <a:spcPct val="150000"/>
+                        </a:lnSpc>
+                        <a:spcBef>
+                          <a:spcPts val="0"/>
+                        </a:spcBef>
+                        <a:spcAft>
+                          <a:spcPts val="0"/>
+                        </a:spcAft>
+                      </a:pPr>
+                      <a:r>
+                        <a:rPr lang="en-US" sz="2400" b="1">
+                          <a:effectLst/>
+                        </a:rPr>
+                        <a:t>Logistic Regression (Soft-max)</a:t>
+                      </a:r>
+                      <a:endParaRPr lang="en-US" sz="2000" b="1">
+                        <a:effectLst/>
+                        <a:latin typeface="Calibri" panose="020F0502020204030204" pitchFamily="34" charset="0"/>
+                        <a:ea typeface="Calibri" panose="020F0502020204030204" pitchFamily="34" charset="0"/>
+                        <a:cs typeface="Arial" panose="020B0604020202020204" pitchFamily="34" charset="0"/>
+                      </a:endParaRPr>
+                    </a:p>
+                  </a:txBody>
+                  <a:tcPr marL="68580" marR="68580" marT="0" marB="0"/>
+                </a:tc>
+                <a:tc>
+                  <a:txBody>
+                    <a:bodyPr/>
+                    <a:lstStyle/>
+                    <a:p>
+                      <a:pPr marL="0" marR="118745" indent="0" algn="ctr" rtl="0">
+                        <a:lnSpc>
+                          <a:spcPct val="150000"/>
+                        </a:lnSpc>
+                        <a:spcBef>
+                          <a:spcPts val="0"/>
+                        </a:spcBef>
+                        <a:spcAft>
+                          <a:spcPts val="0"/>
+                        </a:spcAft>
+                      </a:pPr>
+                      <a:r>
+                        <a:rPr lang="en-US" sz="2400" b="1">
+                          <a:effectLst/>
+                        </a:rPr>
+                        <a:t>MLP</a:t>
+                      </a:r>
+                      <a:endParaRPr lang="en-US" sz="2000" b="1">
+                        <a:effectLst/>
+                        <a:latin typeface="Calibri" panose="020F0502020204030204" pitchFamily="34" charset="0"/>
+                        <a:ea typeface="Calibri" panose="020F0502020204030204" pitchFamily="34" charset="0"/>
+                        <a:cs typeface="Arial" panose="020B0604020202020204" pitchFamily="34" charset="0"/>
+                      </a:endParaRPr>
+                    </a:p>
+                  </a:txBody>
+                  <a:tcPr marL="68580" marR="68580" marT="0" marB="0"/>
+                </a:tc>
+                <a:tc>
+                  <a:txBody>
+                    <a:bodyPr/>
+                    <a:lstStyle/>
+                    <a:p>
+                      <a:pPr marL="0" marR="118745" indent="0" algn="ctr" rtl="0">
+                        <a:lnSpc>
+                          <a:spcPct val="150000"/>
+                        </a:lnSpc>
+                        <a:spcBef>
+                          <a:spcPts val="0"/>
+                        </a:spcBef>
+                        <a:spcAft>
+                          <a:spcPts val="0"/>
+                        </a:spcAft>
+                      </a:pPr>
+                      <a:r>
+                        <a:rPr lang="en-US" sz="2400" b="1">
+                          <a:effectLst/>
+                        </a:rPr>
+                        <a:t>CNN</a:t>
+                      </a:r>
+                      <a:endParaRPr lang="en-US" sz="2000" b="1">
+                        <a:effectLst/>
+                        <a:latin typeface="Calibri" panose="020F0502020204030204" pitchFamily="34" charset="0"/>
+                        <a:ea typeface="Calibri" panose="020F0502020204030204" pitchFamily="34" charset="0"/>
+                        <a:cs typeface="Arial" panose="020B0604020202020204" pitchFamily="34" charset="0"/>
+                      </a:endParaRPr>
+                    </a:p>
+                  </a:txBody>
+                  <a:tcPr marL="68580" marR="68580" marT="0" marB="0"/>
+                </a:tc>
+                <a:tc>
+                  <a:txBody>
+                    <a:bodyPr/>
+                    <a:lstStyle/>
+                    <a:p>
+                      <a:pPr marL="0" marR="118745" indent="0" algn="ctr" rtl="0">
+                        <a:lnSpc>
+                          <a:spcPct val="150000"/>
+                        </a:lnSpc>
+                        <a:spcBef>
+                          <a:spcPts val="0"/>
+                        </a:spcBef>
+                        <a:spcAft>
+                          <a:spcPts val="0"/>
+                        </a:spcAft>
+                      </a:pPr>
+                      <a:r>
+                        <a:rPr lang="en-US" sz="2000" b="1">
+                          <a:effectLst/>
+                          <a:latin typeface="Gill Sans MT (גוף)"/>
+                          <a:ea typeface="Calibri" panose="020F0502020204030204" pitchFamily="34" charset="0"/>
+                          <a:cs typeface="Arial" panose="020B0604020202020204" pitchFamily="34" charset="0"/>
+                        </a:rPr>
+                        <a:t>CNN </a:t>
+                      </a:r>
+                    </a:p>
+                    <a:p>
+                      <a:pPr marL="0" marR="118745" indent="0" algn="ctr" rtl="0">
+                        <a:lnSpc>
+                          <a:spcPct val="150000"/>
+                        </a:lnSpc>
+                        <a:spcBef>
+                          <a:spcPts val="0"/>
+                        </a:spcBef>
+                        <a:spcAft>
+                          <a:spcPts val="0"/>
+                        </a:spcAft>
+                      </a:pPr>
+                      <a:r>
+                        <a:rPr lang="en-US" sz="2000" b="1">
+                          <a:effectLst/>
+                          <a:latin typeface="Gill Sans MT (גוף)"/>
+                          <a:ea typeface="Calibri" panose="020F0502020204030204" pitchFamily="34" charset="0"/>
+                          <a:cs typeface="Arial" panose="020B0604020202020204" pitchFamily="34" charset="0"/>
+                        </a:rPr>
+                        <a:t>&amp;</a:t>
+                      </a:r>
+                    </a:p>
+                    <a:p>
+                      <a:pPr marL="0" marR="118745" indent="0" algn="ctr" rtl="0">
+                        <a:lnSpc>
+                          <a:spcPct val="150000"/>
+                        </a:lnSpc>
+                        <a:spcBef>
+                          <a:spcPts val="0"/>
+                        </a:spcBef>
+                        <a:spcAft>
+                          <a:spcPts val="0"/>
+                        </a:spcAft>
+                      </a:pPr>
+                      <a:r>
+                        <a:rPr lang="en-US" sz="2000" b="1">
+                          <a:effectLst/>
+                          <a:latin typeface="Gill Sans MT (גוף)"/>
+                          <a:ea typeface="Calibri" panose="020F0502020204030204" pitchFamily="34" charset="0"/>
+                          <a:cs typeface="Arial" panose="020B0604020202020204" pitchFamily="34" charset="0"/>
+                        </a:rPr>
+                        <a:t>KERAS TUNER</a:t>
+                      </a:r>
+                    </a:p>
+                  </a:txBody>
+                  <a:tcPr marL="68580" marR="68580" marT="0" marB="0"/>
+                </a:tc>
+                <a:extLst>
+                  <a:ext uri="{0D108BD9-81ED-4DB2-BD59-A6C34878D82A}">
+                    <a16:rowId xmlns:a16="http://schemas.microsoft.com/office/drawing/2014/main" val="2640574179"/>
+                  </a:ext>
+                </a:extLst>
+              </a:tr>
+              <a:tr h="841321">
+                <a:tc>
+                  <a:txBody>
+                    <a:bodyPr/>
+                    <a:lstStyle/>
+                    <a:p>
+                      <a:pPr marL="0" marR="114300" indent="0" algn="ctr" rtl="0">
+                        <a:lnSpc>
+                          <a:spcPct val="150000"/>
+                        </a:lnSpc>
+                        <a:spcBef>
+                          <a:spcPts val="0"/>
+                        </a:spcBef>
+                        <a:spcAft>
+                          <a:spcPts val="0"/>
+                        </a:spcAft>
+                      </a:pPr>
+                      <a:r>
+                        <a:rPr lang="en-US" sz="2400" b="1">
+                          <a:effectLst/>
+                        </a:rPr>
+                        <a:t>Train accuracy</a:t>
+                      </a:r>
+                      <a:endParaRPr lang="en-US" sz="2000" b="1">
+                        <a:effectLst/>
+                        <a:latin typeface="Calibri" panose="020F0502020204030204" pitchFamily="34" charset="0"/>
+                        <a:ea typeface="Calibri" panose="020F0502020204030204" pitchFamily="34" charset="0"/>
+                        <a:cs typeface="Arial" panose="020B0604020202020204" pitchFamily="34" charset="0"/>
+                      </a:endParaRPr>
+                    </a:p>
+                  </a:txBody>
+                  <a:tcPr marL="68580" marR="68580" marT="0" marB="0"/>
+                </a:tc>
+                <a:tc>
+                  <a:txBody>
+                    <a:bodyPr/>
+                    <a:lstStyle/>
+                    <a:p>
+                      <a:pPr marL="0" marR="114300" indent="0" algn="ctr" rtl="0">
+                        <a:lnSpc>
+                          <a:spcPct val="150000"/>
+                        </a:lnSpc>
+                        <a:spcBef>
+                          <a:spcPts val="0"/>
+                        </a:spcBef>
+                        <a:spcAft>
+                          <a:spcPts val="0"/>
+                        </a:spcAft>
+                      </a:pPr>
+                      <a:r>
+                        <a:rPr lang="en-US" sz="2400" b="1">
+                          <a:effectLst/>
+                        </a:rPr>
+                        <a:t>0.5544</a:t>
+                      </a:r>
+                      <a:endParaRPr lang="en-US" sz="2000" b="1">
+                        <a:effectLst/>
+                        <a:latin typeface="Calibri" panose="020F0502020204030204" pitchFamily="34" charset="0"/>
+                        <a:ea typeface="Calibri" panose="020F0502020204030204" pitchFamily="34" charset="0"/>
+                        <a:cs typeface="Arial" panose="020B0604020202020204" pitchFamily="34" charset="0"/>
+                      </a:endParaRPr>
+                    </a:p>
+                  </a:txBody>
+                  <a:tcPr marL="68580" marR="68580" marT="0" marB="0"/>
+                </a:tc>
+                <a:tc>
+                  <a:txBody>
+                    <a:bodyPr/>
+                    <a:lstStyle/>
+                    <a:p>
+                      <a:pPr marL="0" marR="114300" indent="0" algn="ctr" rtl="0">
+                        <a:lnSpc>
+                          <a:spcPct val="150000"/>
+                        </a:lnSpc>
+                        <a:spcBef>
+                          <a:spcPts val="0"/>
+                        </a:spcBef>
+                        <a:spcAft>
+                          <a:spcPts val="0"/>
+                        </a:spcAft>
+                      </a:pPr>
+                      <a:r>
+                        <a:rPr lang="en-US" sz="2400" b="1">
+                          <a:effectLst/>
+                        </a:rPr>
+                        <a:t>0.771</a:t>
+                      </a:r>
+                      <a:endParaRPr lang="en-US" sz="2000" b="1">
+                        <a:effectLst/>
+                        <a:latin typeface="Calibri" panose="020F0502020204030204" pitchFamily="34" charset="0"/>
+                        <a:ea typeface="Calibri" panose="020F0502020204030204" pitchFamily="34" charset="0"/>
+                        <a:cs typeface="Arial" panose="020B0604020202020204" pitchFamily="34" charset="0"/>
+                      </a:endParaRPr>
+                    </a:p>
+                  </a:txBody>
+                  <a:tcPr marL="68580" marR="68580" marT="0" marB="0"/>
+                </a:tc>
+                <a:tc>
+                  <a:txBody>
+                    <a:bodyPr/>
+                    <a:lstStyle/>
+                    <a:p>
+                      <a:pPr marL="0" marR="114300" indent="0" algn="ctr" rtl="0">
+                        <a:lnSpc>
+                          <a:spcPct val="150000"/>
+                        </a:lnSpc>
+                        <a:spcBef>
+                          <a:spcPts val="0"/>
+                        </a:spcBef>
+                        <a:spcAft>
+                          <a:spcPts val="0"/>
+                        </a:spcAft>
+                      </a:pPr>
+                      <a:r>
+                        <a:rPr lang="en-US" sz="2400" b="1">
+                          <a:effectLst/>
+                        </a:rPr>
+                        <a:t>1</a:t>
+                      </a:r>
+                      <a:endParaRPr lang="en-US" sz="2000" b="1">
+                        <a:effectLst/>
+                        <a:latin typeface="Calibri" panose="020F0502020204030204" pitchFamily="34" charset="0"/>
+                        <a:ea typeface="Calibri" panose="020F0502020204030204" pitchFamily="34" charset="0"/>
+                        <a:cs typeface="Arial" panose="020B0604020202020204" pitchFamily="34" charset="0"/>
+                      </a:endParaRPr>
+                    </a:p>
+                  </a:txBody>
+                  <a:tcPr marL="68580" marR="68580" marT="0" marB="0"/>
+                </a:tc>
+                <a:tc>
+                  <a:txBody>
+                    <a:bodyPr/>
+                    <a:lstStyle/>
+                    <a:p>
+                      <a:pPr marL="0" marR="114300" indent="0" algn="ctr" rtl="0">
+                        <a:lnSpc>
+                          <a:spcPct val="150000"/>
+                        </a:lnSpc>
+                        <a:spcBef>
+                          <a:spcPts val="0"/>
+                        </a:spcBef>
+                        <a:spcAft>
+                          <a:spcPts val="0"/>
+                        </a:spcAft>
+                      </a:pPr>
+                      <a:r>
+                        <a:rPr lang="en-US" sz="2400" b="1">
+                          <a:effectLst/>
+                          <a:latin typeface="Gill Sans MT (גוף)"/>
+                          <a:ea typeface="Calibri" panose="020F0502020204030204" pitchFamily="34" charset="0"/>
+                          <a:cs typeface="Arial" panose="020B0604020202020204" pitchFamily="34" charset="0"/>
+                        </a:rPr>
+                        <a:t>1</a:t>
+                      </a:r>
+                    </a:p>
+                  </a:txBody>
+                  <a:tcPr marL="68580" marR="68580" marT="0" marB="0"/>
+                </a:tc>
+                <a:extLst>
+                  <a:ext uri="{0D108BD9-81ED-4DB2-BD59-A6C34878D82A}">
+                    <a16:rowId xmlns:a16="http://schemas.microsoft.com/office/drawing/2014/main" val="1696315315"/>
+                  </a:ext>
+                </a:extLst>
+              </a:tr>
+              <a:tr h="841321">
+                <a:tc>
+                  <a:txBody>
+                    <a:bodyPr/>
+                    <a:lstStyle/>
+                    <a:p>
+                      <a:pPr marL="0" marR="114300" indent="0" algn="ctr" rtl="0">
+                        <a:lnSpc>
+                          <a:spcPct val="150000"/>
+                        </a:lnSpc>
+                        <a:spcBef>
+                          <a:spcPts val="0"/>
+                        </a:spcBef>
+                        <a:spcAft>
+                          <a:spcPts val="0"/>
+                        </a:spcAft>
+                      </a:pPr>
+                      <a:r>
+                        <a:rPr lang="en-US" sz="2400" b="1">
+                          <a:effectLst/>
+                        </a:rPr>
+                        <a:t>Test accuracy</a:t>
+                      </a:r>
+                      <a:endParaRPr lang="en-US" sz="2000" b="1">
+                        <a:effectLst/>
+                        <a:latin typeface="Calibri" panose="020F0502020204030204" pitchFamily="34" charset="0"/>
+                        <a:ea typeface="Calibri" panose="020F0502020204030204" pitchFamily="34" charset="0"/>
+                        <a:cs typeface="Arial" panose="020B0604020202020204" pitchFamily="34" charset="0"/>
+                      </a:endParaRPr>
+                    </a:p>
+                  </a:txBody>
+                  <a:tcPr marL="68580" marR="68580" marT="0" marB="0"/>
+                </a:tc>
+                <a:tc>
+                  <a:txBody>
+                    <a:bodyPr/>
+                    <a:lstStyle/>
+                    <a:p>
+                      <a:pPr marL="0" marR="114300" indent="0" algn="ctr" rtl="0">
+                        <a:lnSpc>
+                          <a:spcPct val="150000"/>
+                        </a:lnSpc>
+                        <a:spcBef>
+                          <a:spcPts val="0"/>
+                        </a:spcBef>
+                        <a:spcAft>
+                          <a:spcPts val="0"/>
+                        </a:spcAft>
+                      </a:pPr>
+                      <a:r>
+                        <a:rPr lang="en-US" sz="2400" b="1">
+                          <a:effectLst/>
+                        </a:rPr>
+                        <a:t>0.3683</a:t>
+                      </a:r>
+                      <a:endParaRPr lang="en-US" sz="2000" b="1">
+                        <a:effectLst/>
+                        <a:latin typeface="Calibri" panose="020F0502020204030204" pitchFamily="34" charset="0"/>
+                        <a:ea typeface="Calibri" panose="020F0502020204030204" pitchFamily="34" charset="0"/>
+                        <a:cs typeface="Arial" panose="020B0604020202020204" pitchFamily="34" charset="0"/>
+                      </a:endParaRPr>
+                    </a:p>
+                  </a:txBody>
+                  <a:tcPr marL="68580" marR="68580" marT="0" marB="0"/>
+                </a:tc>
+                <a:tc>
+                  <a:txBody>
+                    <a:bodyPr/>
+                    <a:lstStyle/>
+                    <a:p>
+                      <a:pPr marL="0" marR="114300" indent="0" algn="ctr" rtl="0">
+                        <a:lnSpc>
+                          <a:spcPct val="150000"/>
+                        </a:lnSpc>
+                        <a:spcBef>
+                          <a:spcPts val="0"/>
+                        </a:spcBef>
+                        <a:spcAft>
+                          <a:spcPts val="0"/>
+                        </a:spcAft>
+                      </a:pPr>
+                      <a:r>
+                        <a:rPr lang="en-US" sz="2400" b="1">
+                          <a:effectLst/>
+                        </a:rPr>
+                        <a:t>0.5753</a:t>
+                      </a:r>
+                      <a:endParaRPr lang="en-US" sz="2000" b="1">
+                        <a:effectLst/>
+                        <a:latin typeface="Calibri" panose="020F0502020204030204" pitchFamily="34" charset="0"/>
+                        <a:ea typeface="Calibri" panose="020F0502020204030204" pitchFamily="34" charset="0"/>
+                        <a:cs typeface="Arial" panose="020B0604020202020204" pitchFamily="34" charset="0"/>
+                      </a:endParaRPr>
+                    </a:p>
+                  </a:txBody>
+                  <a:tcPr marL="68580" marR="68580" marT="0" marB="0"/>
+                </a:tc>
+                <a:tc>
+                  <a:txBody>
+                    <a:bodyPr/>
+                    <a:lstStyle/>
+                    <a:p>
+                      <a:pPr marL="0" marR="114300" indent="0" algn="ctr" rtl="0">
+                        <a:lnSpc>
+                          <a:spcPct val="150000"/>
+                        </a:lnSpc>
+                        <a:spcBef>
+                          <a:spcPts val="0"/>
+                        </a:spcBef>
+                        <a:spcAft>
+                          <a:spcPts val="0"/>
+                        </a:spcAft>
+                      </a:pPr>
+                      <a:r>
+                        <a:rPr lang="en-US" sz="2400" b="1">
+                          <a:effectLst/>
+                        </a:rPr>
+                        <a:t>0.672</a:t>
+                      </a:r>
+                      <a:endParaRPr lang="en-US" sz="2000" b="1">
+                        <a:effectLst/>
+                        <a:latin typeface="Calibri" panose="020F0502020204030204" pitchFamily="34" charset="0"/>
+                        <a:ea typeface="Calibri" panose="020F0502020204030204" pitchFamily="34" charset="0"/>
+                        <a:cs typeface="Arial" panose="020B0604020202020204" pitchFamily="34" charset="0"/>
+                      </a:endParaRPr>
+                    </a:p>
+                  </a:txBody>
+                  <a:tcPr marL="68580" marR="68580" marT="0" marB="0"/>
+                </a:tc>
+                <a:tc>
+                  <a:txBody>
+                    <a:bodyPr/>
+                    <a:lstStyle/>
+                    <a:p>
+                      <a:pPr marL="0" marR="114300" indent="0" algn="ctr" rtl="0">
+                        <a:lnSpc>
+                          <a:spcPct val="150000"/>
+                        </a:lnSpc>
+                        <a:spcBef>
+                          <a:spcPts val="0"/>
+                        </a:spcBef>
+                        <a:spcAft>
+                          <a:spcPts val="0"/>
+                        </a:spcAft>
+                      </a:pPr>
+                      <a:r>
+                        <a:rPr lang="en-US" sz="2000" b="1">
+                          <a:effectLst/>
+                          <a:latin typeface="Gill Sans MT (גוף)"/>
+                          <a:ea typeface="Calibri" panose="020F0502020204030204" pitchFamily="34" charset="0"/>
+                          <a:cs typeface="Arial" panose="020B0604020202020204" pitchFamily="34" charset="0"/>
+                        </a:rPr>
+                        <a:t>0.804</a:t>
+                      </a:r>
+                    </a:p>
+                  </a:txBody>
+                  <a:tcPr marL="68580" marR="68580" marT="0" marB="0"/>
+                </a:tc>
+                <a:extLst>
+                  <a:ext uri="{0D108BD9-81ED-4DB2-BD59-A6C34878D82A}">
+                    <a16:rowId xmlns:a16="http://schemas.microsoft.com/office/drawing/2014/main" val="2865792078"/>
+                  </a:ext>
+                </a:extLst>
+              </a:tr>
+            </a:tbl>
+          </a:graphicData>
+        </a:graphic>
+      </p:graphicFrame>
     </p:spTree>
     <p:extLst>
       <p:ext uri="{BB962C8B-B14F-4D97-AF65-F5344CB8AC3E}">
-        <p14:creationId xmlns:p14="http://schemas.microsoft.com/office/powerpoint/2010/main" val="2426046296"/>
+        <p14:creationId xmlns:p14="http://schemas.microsoft.com/office/powerpoint/2010/main" val="2267438700"/>
       </p:ext>
     </p:extLst>
   </p:cSld>
@@ -8260,6 +8979,140 @@
     <p:extLst>
       <p:ext uri="{BB962C8B-B14F-4D97-AF65-F5344CB8AC3E}">
         <p14:creationId xmlns:p14="http://schemas.microsoft.com/office/powerpoint/2010/main" val="1905381131"/>
+      </p:ext>
+    </p:extLst>
+  </p:cSld>
+  <p:clrMapOvr>
+    <a:masterClrMapping/>
+  </p:clrMapOvr>
+</p:sld>
+</file>
+
+<file path=ppt/slides/slide20.xml><?xml version="1.0" encoding="utf-8"?>
+<p:sld xmlns:a="http://schemas.openxmlformats.org/drawingml/2006/main" xmlns:r="http://schemas.openxmlformats.org/officeDocument/2006/relationships" xmlns:p="http://schemas.openxmlformats.org/presentationml/2006/main">
+  <p:cSld>
+    <p:spTree>
+      <p:nvGrpSpPr>
+        <p:cNvPr id="1" name=""/>
+        <p:cNvGrpSpPr/>
+        <p:nvPr/>
+      </p:nvGrpSpPr>
+      <p:grpSpPr>
+        <a:xfrm>
+          <a:off x="0" y="0"/>
+          <a:ext cx="0" cy="0"/>
+          <a:chOff x="0" y="0"/>
+          <a:chExt cx="0" cy="0"/>
+        </a:xfrm>
+      </p:grpSpPr>
+      <p:sp>
+        <p:nvSpPr>
+          <p:cNvPr id="2" name="כותרת 1">
+            <a:extLst>
+              <a:ext uri="{FF2B5EF4-FFF2-40B4-BE49-F238E27FC236}">
+                <a16:creationId xmlns:a16="http://schemas.microsoft.com/office/drawing/2014/main" id="{536398F8-96B7-4D67-B796-B1B230F415F4}"/>
+              </a:ext>
+            </a:extLst>
+          </p:cNvPr>
+          <p:cNvSpPr>
+            <a:spLocks noGrp="1"/>
+          </p:cNvSpPr>
+          <p:nvPr>
+            <p:ph type="title"/>
+          </p:nvPr>
+        </p:nvSpPr>
+        <p:spPr/>
+        <p:txBody>
+          <a:bodyPr/>
+          <a:lstStyle/>
+          <a:p>
+            <a:r>
+              <a:rPr lang="en-US"/>
+              <a:t>CONCLUSIONS</a:t>
+            </a:r>
+          </a:p>
+        </p:txBody>
+      </p:sp>
+      <p:sp>
+        <p:nvSpPr>
+          <p:cNvPr id="3" name="מציין מיקום תוכן 2">
+            <a:extLst>
+              <a:ext uri="{FF2B5EF4-FFF2-40B4-BE49-F238E27FC236}">
+                <a16:creationId xmlns:a16="http://schemas.microsoft.com/office/drawing/2014/main" id="{EE30DDD9-FD29-49AE-8A76-B70A1E59C009}"/>
+              </a:ext>
+            </a:extLst>
+          </p:cNvPr>
+          <p:cNvSpPr>
+            <a:spLocks noGrp="1"/>
+          </p:cNvSpPr>
+          <p:nvPr>
+            <p:ph idx="1"/>
+          </p:nvPr>
+        </p:nvSpPr>
+        <p:spPr>
+          <a:xfrm>
+            <a:off x="581192" y="2180496"/>
+            <a:ext cx="11029615" cy="4232027"/>
+          </a:xfrm>
+        </p:spPr>
+        <p:txBody>
+          <a:bodyPr>
+            <a:normAutofit fontScale="92500" lnSpcReduction="10000"/>
+          </a:bodyPr>
+          <a:lstStyle/>
+          <a:p>
+            <a:pPr marL="0" indent="0">
+              <a:lnSpc>
+                <a:spcPct val="150000"/>
+              </a:lnSpc>
+              <a:buNone/>
+            </a:pPr>
+            <a:r>
+              <a:rPr lang="en-US" sz="2800">
+                <a:solidFill>
+                  <a:srgbClr val="000000"/>
+                </a:solidFill>
+                <a:effectLst/>
+                <a:latin typeface="David" panose="020E0502060401010101" pitchFamily="34" charset="-79"/>
+                <a:ea typeface="Times New Roman" panose="02020603050405020304" pitchFamily="18" charset="0"/>
+                <a:cs typeface="Arial" panose="020B0604020202020204" pitchFamily="34" charset="0"/>
+              </a:rPr>
+              <a:t>In conclusion, convoluted neural networks appear to be efficient and smart in comparison to other machine-learning algorithms. The main advantage of CNN compared to its predecessors is that it automatically detects the important features without any human supervision. Little dependence on preprocessing, decreasing the needs of human effort developing its functionalities. From this experience, we gathered that CNN might overfit quickly and thus require additional effort in generalizing.</a:t>
+            </a:r>
+            <a:r>
+              <a:rPr lang="en-US" sz="2800">
+                <a:solidFill>
+                  <a:srgbClr val="202124"/>
+                </a:solidFill>
+                <a:effectLst/>
+                <a:latin typeface="Arial" panose="020B0604020202020204" pitchFamily="34" charset="0"/>
+                <a:ea typeface="Calibri" panose="020F0502020204030204" pitchFamily="34" charset="0"/>
+                <a:cs typeface="Arial" panose="020B0604020202020204" pitchFamily="34" charset="0"/>
+              </a:rPr>
+              <a:t> </a:t>
+            </a:r>
+            <a:endParaRPr lang="en-US" sz="2800">
+              <a:effectLst/>
+              <a:latin typeface="Calibri" panose="020F0502020204030204" pitchFamily="34" charset="0"/>
+              <a:ea typeface="Calibri" panose="020F0502020204030204" pitchFamily="34" charset="0"/>
+              <a:cs typeface="Arial" panose="020B0604020202020204" pitchFamily="34" charset="0"/>
+            </a:endParaRPr>
+          </a:p>
+          <a:p>
+            <a:pPr marL="0" indent="0">
+              <a:lnSpc>
+                <a:spcPct val="150000"/>
+              </a:lnSpc>
+              <a:buNone/>
+            </a:pPr>
+            <a:endParaRPr lang="en-US" sz="2800"/>
+          </a:p>
+        </p:txBody>
+      </p:sp>
+    </p:spTree>
+    <p:extLst>
+      <p:ext uri="{BB962C8B-B14F-4D97-AF65-F5344CB8AC3E}">
+        <p14:creationId xmlns:p14="http://schemas.microsoft.com/office/powerpoint/2010/main" val="2426046296"/>
       </p:ext>
     </p:extLst>
   </p:cSld>

--- a/Final Project/Rock Paper Scissors Problem.pptx
+++ b/Final Project/Rock Paper Scissors Problem.pptx
@@ -5,7 +5,7 @@
     <p:sldMasterId id="2147483648" r:id="rId1"/>
   </p:sldMasterIdLst>
   <p:notesMasterIdLst>
-    <p:notesMasterId r:id="rId22"/>
+    <p:notesMasterId r:id="rId24"/>
   </p:notesMasterIdLst>
   <p:sldIdLst>
     <p:sldId id="256" r:id="rId2"/>
@@ -21,13 +21,15 @@
     <p:sldId id="274" r:id="rId12"/>
     <p:sldId id="275" r:id="rId13"/>
     <p:sldId id="276" r:id="rId14"/>
-    <p:sldId id="279" r:id="rId15"/>
-    <p:sldId id="263" r:id="rId16"/>
-    <p:sldId id="264" r:id="rId17"/>
-    <p:sldId id="265" r:id="rId18"/>
-    <p:sldId id="266" r:id="rId19"/>
-    <p:sldId id="277" r:id="rId20"/>
-    <p:sldId id="278" r:id="rId21"/>
+    <p:sldId id="280" r:id="rId15"/>
+    <p:sldId id="281" r:id="rId16"/>
+    <p:sldId id="279" r:id="rId17"/>
+    <p:sldId id="263" r:id="rId18"/>
+    <p:sldId id="264" r:id="rId19"/>
+    <p:sldId id="265" r:id="rId20"/>
+    <p:sldId id="266" r:id="rId21"/>
+    <p:sldId id="277" r:id="rId22"/>
+    <p:sldId id="278" r:id="rId23"/>
   </p:sldIdLst>
   <p:sldSz cx="12192000" cy="6858000"/>
   <p:notesSz cx="6858000" cy="9144000"/>
@@ -332,7 +334,7 @@
           <a:p>
             <a:fld id="{DBACF75E-E9E0-46CD-9F03-1FE843A7A4FB}" type="datetimeFigureOut">
               <a:rPr lang="en-US" smtClean="0"/>
-              <a:t>1/1/2022</a:t>
+              <a:t>1/2/2022</a:t>
             </a:fld>
             <a:endParaRPr lang="en-US"/>
           </a:p>
@@ -774,7 +776,7 @@
           <a:p>
             <a:fld id="{FB1E8730-ACE8-464E-9566-9727F7F78D3C}" type="slidenum">
               <a:rPr lang="en-US" smtClean="0"/>
-              <a:t>14</a:t>
+              <a:t>16</a:t>
             </a:fld>
             <a:endParaRPr lang="en-US"/>
           </a:p>
@@ -1873,7 +1875,7 @@
             <a:fld id="{B61BEF0D-F0BB-DE4B-95CE-6DB70DBA9567}" type="datetimeFigureOut">
               <a:rPr lang="en-US" dirty="0"/>
               <a:pPr/>
-              <a:t>1/1/2022</a:t>
+              <a:t>1/2/2022</a:t>
             </a:fld>
             <a:endParaRPr lang="en-US" dirty="0"/>
           </a:p>
@@ -2132,7 +2134,7 @@
             <a:fld id="{B61BEF0D-F0BB-DE4B-95CE-6DB70DBA9567}" type="datetimeFigureOut">
               <a:rPr lang="en-US" dirty="0"/>
               <a:pPr/>
-              <a:t>1/1/2022</a:t>
+              <a:t>1/2/2022</a:t>
             </a:fld>
             <a:endParaRPr lang="en-US" dirty="0"/>
           </a:p>
@@ -2364,7 +2366,7 @@
             <a:fld id="{B61BEF0D-F0BB-DE4B-95CE-6DB70DBA9567}" type="datetimeFigureOut">
               <a:rPr lang="en-US" dirty="0"/>
               <a:pPr/>
-              <a:t>1/1/2022</a:t>
+              <a:t>1/2/2022</a:t>
             </a:fld>
             <a:endParaRPr lang="en-US" dirty="0"/>
           </a:p>
@@ -2601,7 +2603,7 @@
             <a:fld id="{B61BEF0D-F0BB-DE4B-95CE-6DB70DBA9567}" type="datetimeFigureOut">
               <a:rPr lang="en-US" dirty="0"/>
               <a:pPr/>
-              <a:t>1/1/2022</a:t>
+              <a:t>1/2/2022</a:t>
             </a:fld>
             <a:endParaRPr lang="en-US" dirty="0"/>
           </a:p>
@@ -2905,7 +2907,7 @@
             <a:fld id="{B61BEF0D-F0BB-DE4B-95CE-6DB70DBA9567}" type="datetimeFigureOut">
               <a:rPr lang="en-US" dirty="0"/>
               <a:pPr/>
-              <a:t>1/1/2022</a:t>
+              <a:t>1/2/2022</a:t>
             </a:fld>
             <a:endParaRPr lang="en-US" dirty="0"/>
           </a:p>
@@ -3204,7 +3206,7 @@
             <a:fld id="{B61BEF0D-F0BB-DE4B-95CE-6DB70DBA9567}" type="datetimeFigureOut">
               <a:rPr lang="en-US" dirty="0"/>
               <a:pPr/>
-              <a:t>1/1/2022</a:t>
+              <a:t>1/2/2022</a:t>
             </a:fld>
             <a:endParaRPr lang="en-US" dirty="0"/>
           </a:p>
@@ -3623,7 +3625,7 @@
             <a:fld id="{B61BEF0D-F0BB-DE4B-95CE-6DB70DBA9567}" type="datetimeFigureOut">
               <a:rPr lang="en-US" dirty="0"/>
               <a:pPr/>
-              <a:t>1/1/2022</a:t>
+              <a:t>1/2/2022</a:t>
             </a:fld>
             <a:endParaRPr lang="en-US" dirty="0"/>
           </a:p>
@@ -3782,7 +3784,7 @@
             <a:fld id="{B61BEF0D-F0BB-DE4B-95CE-6DB70DBA9567}" type="datetimeFigureOut">
               <a:rPr lang="en-US" dirty="0"/>
               <a:pPr/>
-              <a:t>1/1/2022</a:t>
+              <a:t>1/2/2022</a:t>
             </a:fld>
             <a:endParaRPr lang="en-US" dirty="0"/>
           </a:p>
@@ -3874,7 +3876,7 @@
             <a:fld id="{B61BEF0D-F0BB-DE4B-95CE-6DB70DBA9567}" type="datetimeFigureOut">
               <a:rPr lang="en-US" dirty="0"/>
               <a:pPr/>
-              <a:t>1/1/2022</a:t>
+              <a:t>1/2/2022</a:t>
             </a:fld>
             <a:endParaRPr lang="en-US" dirty="0"/>
           </a:p>
@@ -4249,7 +4251,7 @@
             <a:fld id="{B61BEF0D-F0BB-DE4B-95CE-6DB70DBA9567}" type="datetimeFigureOut">
               <a:rPr lang="en-US" dirty="0"/>
               <a:pPr/>
-              <a:t>1/1/2022</a:t>
+              <a:t>1/2/2022</a:t>
             </a:fld>
             <a:endParaRPr lang="en-US" dirty="0"/>
           </a:p>
@@ -4535,7 +4537,7 @@
             <a:fld id="{B61BEF0D-F0BB-DE4B-95CE-6DB70DBA9567}" type="datetimeFigureOut">
               <a:rPr lang="en-US" dirty="0"/>
               <a:pPr/>
-              <a:t>1/1/2022</a:t>
+              <a:t>1/2/2022</a:t>
             </a:fld>
             <a:endParaRPr lang="en-US" dirty="0"/>
           </a:p>
@@ -4743,7 +4745,7 @@
             <a:fld id="{B61BEF0D-F0BB-DE4B-95CE-6DB70DBA9567}" type="datetimeFigureOut">
               <a:rPr lang="en-US" dirty="0"/>
               <a:pPr/>
-              <a:t>1/1/2022</a:t>
+              <a:t>1/2/2022</a:t>
             </a:fld>
             <a:endParaRPr lang="en-US" dirty="0"/>
           </a:p>
@@ -6122,7 +6124,7 @@
           <a:p>
             <a:r>
               <a:rPr lang="en-US"/>
-              <a:t>Final attempt – best solution so far</a:t>
+              <a:t>Attempt 3</a:t>
             </a:r>
           </a:p>
         </p:txBody>
@@ -6244,6 +6246,180 @@
 </file>
 
 <file path=ppt/slides/slide14.xml><?xml version="1.0" encoding="utf-8"?>
+<p:sld xmlns:a="http://schemas.openxmlformats.org/drawingml/2006/main" xmlns:r="http://schemas.openxmlformats.org/officeDocument/2006/relationships" xmlns:p="http://schemas.openxmlformats.org/presentationml/2006/main">
+  <p:cSld>
+    <p:spTree>
+      <p:nvGrpSpPr>
+        <p:cNvPr id="1" name=""/>
+        <p:cNvGrpSpPr/>
+        <p:nvPr/>
+      </p:nvGrpSpPr>
+      <p:grpSpPr>
+        <a:xfrm>
+          <a:off x="0" y="0"/>
+          <a:ext cx="0" cy="0"/>
+          <a:chOff x="0" y="0"/>
+          <a:chExt cx="0" cy="0"/>
+        </a:xfrm>
+      </p:grpSpPr>
+      <p:sp>
+        <p:nvSpPr>
+          <p:cNvPr id="2" name="כותרת 1">
+            <a:extLst>
+              <a:ext uri="{FF2B5EF4-FFF2-40B4-BE49-F238E27FC236}">
+                <a16:creationId xmlns:a16="http://schemas.microsoft.com/office/drawing/2014/main" id="{F4CD9F03-A7E8-4580-A5B9-1A630382A09C}"/>
+              </a:ext>
+            </a:extLst>
+          </p:cNvPr>
+          <p:cNvSpPr>
+            <a:spLocks noGrp="1"/>
+          </p:cNvSpPr>
+          <p:nvPr>
+            <p:ph type="title"/>
+          </p:nvPr>
+        </p:nvSpPr>
+        <p:spPr/>
+        <p:txBody>
+          <a:bodyPr/>
+          <a:lstStyle/>
+          <a:p>
+            <a:r>
+              <a:rPr lang="en-US"/>
+              <a:t>Keras tuner – hyper parameter</a:t>
+            </a:r>
+          </a:p>
+        </p:txBody>
+      </p:sp>
+      <p:pic>
+        <p:nvPicPr>
+          <p:cNvPr id="5" name="מציין מיקום תוכן 4">
+            <a:extLst>
+              <a:ext uri="{FF2B5EF4-FFF2-40B4-BE49-F238E27FC236}">
+                <a16:creationId xmlns:a16="http://schemas.microsoft.com/office/drawing/2014/main" id="{80741249-BA1F-4B46-8818-5F5751824B6B}"/>
+              </a:ext>
+            </a:extLst>
+          </p:cNvPr>
+          <p:cNvPicPr>
+            <a:picLocks noGrp="1" noChangeAspect="1"/>
+          </p:cNvPicPr>
+          <p:nvPr>
+            <p:ph idx="1"/>
+          </p:nvPr>
+        </p:nvPicPr>
+        <p:blipFill>
+          <a:blip r:embed="rId2"/>
+          <a:stretch>
+            <a:fillRect/>
+          </a:stretch>
+        </p:blipFill>
+        <p:spPr>
+          <a:xfrm>
+            <a:off x="581192" y="1958486"/>
+            <a:ext cx="8386962" cy="4564510"/>
+          </a:xfrm>
+        </p:spPr>
+      </p:pic>
+    </p:spTree>
+    <p:extLst>
+      <p:ext uri="{BB962C8B-B14F-4D97-AF65-F5344CB8AC3E}">
+        <p14:creationId xmlns:p14="http://schemas.microsoft.com/office/powerpoint/2010/main" val="220626949"/>
+      </p:ext>
+    </p:extLst>
+  </p:cSld>
+  <p:clrMapOvr>
+    <a:masterClrMapping/>
+  </p:clrMapOvr>
+</p:sld>
+</file>
+
+<file path=ppt/slides/slide15.xml><?xml version="1.0" encoding="utf-8"?>
+<p:sld xmlns:a="http://schemas.openxmlformats.org/drawingml/2006/main" xmlns:r="http://schemas.openxmlformats.org/officeDocument/2006/relationships" xmlns:p="http://schemas.openxmlformats.org/presentationml/2006/main">
+  <p:cSld>
+    <p:spTree>
+      <p:nvGrpSpPr>
+        <p:cNvPr id="1" name=""/>
+        <p:cNvGrpSpPr/>
+        <p:nvPr/>
+      </p:nvGrpSpPr>
+      <p:grpSpPr>
+        <a:xfrm>
+          <a:off x="0" y="0"/>
+          <a:ext cx="0" cy="0"/>
+          <a:chOff x="0" y="0"/>
+          <a:chExt cx="0" cy="0"/>
+        </a:xfrm>
+      </p:grpSpPr>
+      <p:sp>
+        <p:nvSpPr>
+          <p:cNvPr id="2" name="כותרת 1">
+            <a:extLst>
+              <a:ext uri="{FF2B5EF4-FFF2-40B4-BE49-F238E27FC236}">
+                <a16:creationId xmlns:a16="http://schemas.microsoft.com/office/drawing/2014/main" id="{0BD89020-8BE6-4FEE-BDBC-B86EB69C5BD6}"/>
+              </a:ext>
+            </a:extLst>
+          </p:cNvPr>
+          <p:cNvSpPr>
+            <a:spLocks noGrp="1"/>
+          </p:cNvSpPr>
+          <p:nvPr>
+            <p:ph type="title"/>
+          </p:nvPr>
+        </p:nvSpPr>
+        <p:spPr/>
+        <p:txBody>
+          <a:bodyPr/>
+          <a:lstStyle/>
+          <a:p>
+            <a:r>
+              <a:rPr lang="en-US"/>
+              <a:t>Keras tuner – hyper parameter</a:t>
+            </a:r>
+          </a:p>
+        </p:txBody>
+      </p:sp>
+      <p:pic>
+        <p:nvPicPr>
+          <p:cNvPr id="5" name="מציין מיקום תוכן 4">
+            <a:extLst>
+              <a:ext uri="{FF2B5EF4-FFF2-40B4-BE49-F238E27FC236}">
+                <a16:creationId xmlns:a16="http://schemas.microsoft.com/office/drawing/2014/main" id="{02D03EC7-CE9D-4099-AC57-3A59D6B6CF6A}"/>
+              </a:ext>
+            </a:extLst>
+          </p:cNvPr>
+          <p:cNvPicPr>
+            <a:picLocks noGrp="1" noChangeAspect="1"/>
+          </p:cNvPicPr>
+          <p:nvPr>
+            <p:ph idx="1"/>
+          </p:nvPr>
+        </p:nvPicPr>
+        <p:blipFill>
+          <a:blip r:embed="rId2"/>
+          <a:stretch>
+            <a:fillRect/>
+          </a:stretch>
+        </p:blipFill>
+        <p:spPr>
+          <a:xfrm>
+            <a:off x="581025" y="2827589"/>
+            <a:ext cx="11029950" cy="2385509"/>
+          </a:xfrm>
+        </p:spPr>
+      </p:pic>
+    </p:spTree>
+    <p:extLst>
+      <p:ext uri="{BB962C8B-B14F-4D97-AF65-F5344CB8AC3E}">
+        <p14:creationId xmlns:p14="http://schemas.microsoft.com/office/powerpoint/2010/main" val="2476552640"/>
+      </p:ext>
+    </p:extLst>
+  </p:cSld>
+  <p:clrMapOvr>
+    <a:masterClrMapping/>
+  </p:clrMapOvr>
+</p:sld>
+</file>
+
+<file path=ppt/slides/slide16.xml><?xml version="1.0" encoding="utf-8"?>
 <p:sld xmlns:a="http://schemas.openxmlformats.org/drawingml/2006/main" xmlns:r="http://schemas.openxmlformats.org/officeDocument/2006/relationships" xmlns:p="http://schemas.openxmlformats.org/presentationml/2006/main">
   <p:cSld>
     <p:spTree>
@@ -6377,7 +6553,7 @@
 </p:sld>
 </file>
 
-<file path=ppt/slides/slide15.xml><?xml version="1.0" encoding="utf-8"?>
+<file path=ppt/slides/slide17.xml><?xml version="1.0" encoding="utf-8"?>
 <p:sld xmlns:a="http://schemas.openxmlformats.org/drawingml/2006/main" xmlns:r="http://schemas.openxmlformats.org/officeDocument/2006/relationships" xmlns:p="http://schemas.openxmlformats.org/presentationml/2006/main">
   <p:cSld>
     <p:spTree>
@@ -6617,7 +6793,7 @@
 </p:sld>
 </file>
 
-<file path=ppt/slides/slide16.xml><?xml version="1.0" encoding="utf-8"?>
+<file path=ppt/slides/slide18.xml><?xml version="1.0" encoding="utf-8"?>
 <p:sld xmlns:a="http://schemas.openxmlformats.org/drawingml/2006/main" xmlns:r="http://schemas.openxmlformats.org/officeDocument/2006/relationships" xmlns:p="http://schemas.openxmlformats.org/presentationml/2006/main">
   <p:cSld>
     <p:spTree>
@@ -7020,7 +7196,7 @@
 </p:sld>
 </file>
 
-<file path=ppt/slides/slide17.xml><?xml version="1.0" encoding="utf-8"?>
+<file path=ppt/slides/slide19.xml><?xml version="1.0" encoding="utf-8"?>
 <p:sld xmlns:a="http://schemas.openxmlformats.org/drawingml/2006/main" xmlns:r="http://schemas.openxmlformats.org/officeDocument/2006/relationships" xmlns:p="http://schemas.openxmlformats.org/presentationml/2006/main">
   <p:cSld>
     <p:spTree>
@@ -7644,7 +7820,243 @@
 </p:sld>
 </file>
 
-<file path=ppt/slides/slide18.xml><?xml version="1.0" encoding="utf-8"?>
+<file path=ppt/slides/slide2.xml><?xml version="1.0" encoding="utf-8"?>
+<p:sld xmlns:a="http://schemas.openxmlformats.org/drawingml/2006/main" xmlns:r="http://schemas.openxmlformats.org/officeDocument/2006/relationships" xmlns:p="http://schemas.openxmlformats.org/presentationml/2006/main">
+  <p:cSld>
+    <p:spTree>
+      <p:nvGrpSpPr>
+        <p:cNvPr id="1" name=""/>
+        <p:cNvGrpSpPr/>
+        <p:nvPr/>
+      </p:nvGrpSpPr>
+      <p:grpSpPr>
+        <a:xfrm>
+          <a:off x="0" y="0"/>
+          <a:ext cx="0" cy="0"/>
+          <a:chOff x="0" y="0"/>
+          <a:chExt cx="0" cy="0"/>
+        </a:xfrm>
+      </p:grpSpPr>
+      <p:sp>
+        <p:nvSpPr>
+          <p:cNvPr id="2" name="Title 1">
+            <a:extLst>
+              <a:ext uri="{FF2B5EF4-FFF2-40B4-BE49-F238E27FC236}">
+                <a16:creationId xmlns:a16="http://schemas.microsoft.com/office/drawing/2014/main" id="{D9A7F802-3362-4AFD-A41E-782FEDD1E404}"/>
+              </a:ext>
+            </a:extLst>
+          </p:cNvPr>
+          <p:cNvSpPr>
+            <a:spLocks noGrp="1"/>
+          </p:cNvSpPr>
+          <p:nvPr>
+            <p:ph type="title"/>
+          </p:nvPr>
+        </p:nvSpPr>
+        <p:spPr/>
+        <p:txBody>
+          <a:bodyPr/>
+          <a:lstStyle/>
+          <a:p>
+            <a:r>
+              <a:rPr lang="en-US" dirty="0"/>
+              <a:t>About  the project</a:t>
+            </a:r>
+            <a:endParaRPr lang="LID4096" dirty="0"/>
+          </a:p>
+        </p:txBody>
+      </p:sp>
+      <p:sp>
+        <p:nvSpPr>
+          <p:cNvPr id="7" name="Content Placeholder 6">
+            <a:extLst>
+              <a:ext uri="{FF2B5EF4-FFF2-40B4-BE49-F238E27FC236}">
+                <a16:creationId xmlns:a16="http://schemas.microsoft.com/office/drawing/2014/main" id="{DB84B73A-E97C-458F-9EFF-C501F17AB59B}"/>
+              </a:ext>
+            </a:extLst>
+          </p:cNvPr>
+          <p:cNvSpPr>
+            <a:spLocks noGrp="1"/>
+          </p:cNvSpPr>
+          <p:nvPr>
+            <p:ph idx="1"/>
+          </p:nvPr>
+        </p:nvSpPr>
+        <p:spPr>
+          <a:xfrm>
+            <a:off x="847523" y="2229988"/>
+            <a:ext cx="11029615" cy="3678303"/>
+          </a:xfrm>
+        </p:spPr>
+        <p:txBody>
+          <a:bodyPr>
+            <a:normAutofit/>
+          </a:bodyPr>
+          <a:lstStyle/>
+          <a:p>
+            <a:pPr marL="0" indent="0">
+              <a:lnSpc>
+                <a:spcPct val="160000"/>
+              </a:lnSpc>
+              <a:buNone/>
+            </a:pPr>
+            <a:endParaRPr lang="en-US" sz="3200" dirty="0"/>
+          </a:p>
+          <a:p>
+            <a:pPr marL="0" indent="0">
+              <a:lnSpc>
+                <a:spcPct val="160000"/>
+              </a:lnSpc>
+              <a:buNone/>
+            </a:pPr>
+            <a:r>
+              <a:rPr lang="en-US" sz="3200" dirty="0"/>
+              <a:t>In this project we have </a:t>
+            </a:r>
+            <a:r>
+              <a:rPr lang="en-US" sz="3200"/>
+              <a:t>a multinomial classification problem.</a:t>
+            </a:r>
+            <a:endParaRPr lang="en-US" sz="3200" dirty="0"/>
+          </a:p>
+          <a:p>
+            <a:pPr marL="0" indent="0">
+              <a:lnSpc>
+                <a:spcPct val="160000"/>
+              </a:lnSpc>
+              <a:buNone/>
+            </a:pPr>
+            <a:r>
+              <a:rPr lang="en-US" sz="3200" dirty="0"/>
+              <a:t>W</a:t>
+            </a:r>
+            <a:r>
+              <a:rPr lang="en-US" sz="3200"/>
+              <a:t>e </a:t>
+            </a:r>
+            <a:r>
+              <a:rPr lang="en-US" sz="3200" dirty="0"/>
+              <a:t>wish to develop a model for identifying </a:t>
+            </a:r>
+            <a:r>
+              <a:rPr lang="en-US" sz="3200"/>
+              <a:t>whether an image of a hand demonstrates a</a:t>
+            </a:r>
+            <a:r>
+              <a:rPr lang="en-US" sz="3200" b="0" i="0">
+                <a:solidFill>
+                  <a:srgbClr val="333333"/>
+                </a:solidFill>
+                <a:effectLst/>
+                <a:latin typeface="Gill Sans MT (Body)"/>
+                <a:cs typeface="Assistant" panose="020B0604020202020204" pitchFamily="2" charset="-79"/>
+              </a:rPr>
+              <a:t> </a:t>
+            </a:r>
+            <a:r>
+              <a:rPr lang="en-US" sz="3200" b="0" i="0" dirty="0">
+                <a:solidFill>
+                  <a:srgbClr val="333333"/>
+                </a:solidFill>
+                <a:effectLst/>
+                <a:latin typeface="Gill Sans MT (Body)"/>
+                <a:cs typeface="Assistant" panose="020B0604020202020204" pitchFamily="2" charset="-79"/>
+              </a:rPr>
+              <a:t>rock, paper or </a:t>
+            </a:r>
+            <a:r>
+              <a:rPr lang="en-US" sz="3200" b="0" i="0">
+                <a:solidFill>
+                  <a:srgbClr val="333333"/>
+                </a:solidFill>
+                <a:effectLst/>
+                <a:latin typeface="Gill Sans MT (Body)"/>
+                <a:cs typeface="Assistant" panose="020B0604020202020204" pitchFamily="2" charset="-79"/>
+              </a:rPr>
+              <a:t>scissors</a:t>
+            </a:r>
+            <a:r>
+              <a:rPr lang="en-US" sz="3200" b="0" i="0">
+                <a:solidFill>
+                  <a:srgbClr val="333333"/>
+                </a:solidFill>
+                <a:effectLst/>
+                <a:latin typeface="Assistant" panose="020B0604020202020204" pitchFamily="2" charset="-79"/>
+                <a:cs typeface="Assistant" panose="020B0604020202020204" pitchFamily="2" charset="-79"/>
+              </a:rPr>
+              <a:t>.</a:t>
+            </a:r>
+            <a:endParaRPr lang="he-IL" b="0" i="0" dirty="0">
+              <a:solidFill>
+                <a:srgbClr val="333333"/>
+              </a:solidFill>
+              <a:effectLst/>
+              <a:latin typeface="Assistant" panose="020B0604020202020204" pitchFamily="2" charset="-79"/>
+              <a:cs typeface="Assistant" panose="020B0604020202020204" pitchFamily="2" charset="-79"/>
+            </a:endParaRPr>
+          </a:p>
+          <a:p>
+            <a:pPr>
+              <a:lnSpc>
+                <a:spcPct val="160000"/>
+              </a:lnSpc>
+            </a:pPr>
+            <a:endParaRPr lang="he-IL" dirty="0">
+              <a:solidFill>
+                <a:srgbClr val="333333"/>
+              </a:solidFill>
+              <a:latin typeface="Assistant" panose="020B0604020202020204" pitchFamily="2" charset="-79"/>
+              <a:cs typeface="Assistant" panose="020B0604020202020204" pitchFamily="2" charset="-79"/>
+            </a:endParaRPr>
+          </a:p>
+          <a:p>
+            <a:pPr>
+              <a:lnSpc>
+                <a:spcPct val="160000"/>
+              </a:lnSpc>
+            </a:pPr>
+            <a:endParaRPr lang="en-US" b="0" i="0" dirty="0">
+              <a:solidFill>
+                <a:srgbClr val="333333"/>
+              </a:solidFill>
+              <a:effectLst/>
+              <a:latin typeface="Assistant" panose="020B0604020202020204" pitchFamily="2" charset="-79"/>
+              <a:cs typeface="Assistant" panose="020B0604020202020204" pitchFamily="2" charset="-79"/>
+            </a:endParaRPr>
+          </a:p>
+          <a:p>
+            <a:pPr>
+              <a:lnSpc>
+                <a:spcPct val="160000"/>
+              </a:lnSpc>
+            </a:pPr>
+            <a:endParaRPr lang="LID4096" dirty="0"/>
+          </a:p>
+          <a:p>
+            <a:pPr marL="0" indent="0">
+              <a:lnSpc>
+                <a:spcPct val="160000"/>
+              </a:lnSpc>
+              <a:buNone/>
+            </a:pPr>
+            <a:endParaRPr lang="LID4096" dirty="0"/>
+          </a:p>
+        </p:txBody>
+      </p:sp>
+    </p:spTree>
+    <p:extLst>
+      <p:ext uri="{BB962C8B-B14F-4D97-AF65-F5344CB8AC3E}">
+        <p14:creationId xmlns:p14="http://schemas.microsoft.com/office/powerpoint/2010/main" val="1905381131"/>
+      </p:ext>
+    </p:extLst>
+  </p:cSld>
+  <p:clrMapOvr>
+    <a:masterClrMapping/>
+  </p:clrMapOvr>
+</p:sld>
+</file>
+
+<file path=ppt/slides/slide20.xml><?xml version="1.0" encoding="utf-8"?>
 <p:sld xmlns:a="http://schemas.openxmlformats.org/drawingml/2006/main" xmlns:r="http://schemas.openxmlformats.org/officeDocument/2006/relationships" xmlns:p="http://schemas.openxmlformats.org/presentationml/2006/main">
   <p:cSld>
     <p:spTree>
@@ -8086,7 +8498,7 @@
 </p:sld>
 </file>
 
-<file path=ppt/slides/slide19.xml><?xml version="1.0" encoding="utf-8"?>
+<file path=ppt/slides/slide21.xml><?xml version="1.0" encoding="utf-8"?>
 <p:sld xmlns:a="http://schemas.openxmlformats.org/drawingml/2006/main" xmlns:r="http://schemas.openxmlformats.org/officeDocument/2006/relationships" xmlns:p="http://schemas.openxmlformats.org/presentationml/2006/main">
   <p:cSld>
     <p:spTree>
@@ -8752,243 +9164,7 @@
 </p:sld>
 </file>
 
-<file path=ppt/slides/slide2.xml><?xml version="1.0" encoding="utf-8"?>
-<p:sld xmlns:a="http://schemas.openxmlformats.org/drawingml/2006/main" xmlns:r="http://schemas.openxmlformats.org/officeDocument/2006/relationships" xmlns:p="http://schemas.openxmlformats.org/presentationml/2006/main">
-  <p:cSld>
-    <p:spTree>
-      <p:nvGrpSpPr>
-        <p:cNvPr id="1" name=""/>
-        <p:cNvGrpSpPr/>
-        <p:nvPr/>
-      </p:nvGrpSpPr>
-      <p:grpSpPr>
-        <a:xfrm>
-          <a:off x="0" y="0"/>
-          <a:ext cx="0" cy="0"/>
-          <a:chOff x="0" y="0"/>
-          <a:chExt cx="0" cy="0"/>
-        </a:xfrm>
-      </p:grpSpPr>
-      <p:sp>
-        <p:nvSpPr>
-          <p:cNvPr id="2" name="Title 1">
-            <a:extLst>
-              <a:ext uri="{FF2B5EF4-FFF2-40B4-BE49-F238E27FC236}">
-                <a16:creationId xmlns:a16="http://schemas.microsoft.com/office/drawing/2014/main" id="{D9A7F802-3362-4AFD-A41E-782FEDD1E404}"/>
-              </a:ext>
-            </a:extLst>
-          </p:cNvPr>
-          <p:cNvSpPr>
-            <a:spLocks noGrp="1"/>
-          </p:cNvSpPr>
-          <p:nvPr>
-            <p:ph type="title"/>
-          </p:nvPr>
-        </p:nvSpPr>
-        <p:spPr/>
-        <p:txBody>
-          <a:bodyPr/>
-          <a:lstStyle/>
-          <a:p>
-            <a:r>
-              <a:rPr lang="en-US" dirty="0"/>
-              <a:t>About  the project</a:t>
-            </a:r>
-            <a:endParaRPr lang="LID4096" dirty="0"/>
-          </a:p>
-        </p:txBody>
-      </p:sp>
-      <p:sp>
-        <p:nvSpPr>
-          <p:cNvPr id="7" name="Content Placeholder 6">
-            <a:extLst>
-              <a:ext uri="{FF2B5EF4-FFF2-40B4-BE49-F238E27FC236}">
-                <a16:creationId xmlns:a16="http://schemas.microsoft.com/office/drawing/2014/main" id="{DB84B73A-E97C-458F-9EFF-C501F17AB59B}"/>
-              </a:ext>
-            </a:extLst>
-          </p:cNvPr>
-          <p:cNvSpPr>
-            <a:spLocks noGrp="1"/>
-          </p:cNvSpPr>
-          <p:nvPr>
-            <p:ph idx="1"/>
-          </p:nvPr>
-        </p:nvSpPr>
-        <p:spPr>
-          <a:xfrm>
-            <a:off x="847523" y="2229988"/>
-            <a:ext cx="11029615" cy="3678303"/>
-          </a:xfrm>
-        </p:spPr>
-        <p:txBody>
-          <a:bodyPr>
-            <a:normAutofit/>
-          </a:bodyPr>
-          <a:lstStyle/>
-          <a:p>
-            <a:pPr marL="0" indent="0">
-              <a:lnSpc>
-                <a:spcPct val="160000"/>
-              </a:lnSpc>
-              <a:buNone/>
-            </a:pPr>
-            <a:endParaRPr lang="en-US" sz="3200" dirty="0"/>
-          </a:p>
-          <a:p>
-            <a:pPr marL="0" indent="0">
-              <a:lnSpc>
-                <a:spcPct val="160000"/>
-              </a:lnSpc>
-              <a:buNone/>
-            </a:pPr>
-            <a:r>
-              <a:rPr lang="en-US" sz="3200" dirty="0"/>
-              <a:t>In this project we have </a:t>
-            </a:r>
-            <a:r>
-              <a:rPr lang="en-US" sz="3200"/>
-              <a:t>a multinomial classification problem.</a:t>
-            </a:r>
-            <a:endParaRPr lang="en-US" sz="3200" dirty="0"/>
-          </a:p>
-          <a:p>
-            <a:pPr marL="0" indent="0">
-              <a:lnSpc>
-                <a:spcPct val="160000"/>
-              </a:lnSpc>
-              <a:buNone/>
-            </a:pPr>
-            <a:r>
-              <a:rPr lang="en-US" sz="3200" dirty="0"/>
-              <a:t>W</a:t>
-            </a:r>
-            <a:r>
-              <a:rPr lang="en-US" sz="3200"/>
-              <a:t>e </a:t>
-            </a:r>
-            <a:r>
-              <a:rPr lang="en-US" sz="3200" dirty="0"/>
-              <a:t>wish to develop a model for identifying </a:t>
-            </a:r>
-            <a:r>
-              <a:rPr lang="en-US" sz="3200"/>
-              <a:t>whether an image of a hand demonstrates a</a:t>
-            </a:r>
-            <a:r>
-              <a:rPr lang="en-US" sz="3200" b="0" i="0">
-                <a:solidFill>
-                  <a:srgbClr val="333333"/>
-                </a:solidFill>
-                <a:effectLst/>
-                <a:latin typeface="Gill Sans MT (Body)"/>
-                <a:cs typeface="Assistant" panose="020B0604020202020204" pitchFamily="2" charset="-79"/>
-              </a:rPr>
-              <a:t> </a:t>
-            </a:r>
-            <a:r>
-              <a:rPr lang="en-US" sz="3200" b="0" i="0" dirty="0">
-                <a:solidFill>
-                  <a:srgbClr val="333333"/>
-                </a:solidFill>
-                <a:effectLst/>
-                <a:latin typeface="Gill Sans MT (Body)"/>
-                <a:cs typeface="Assistant" panose="020B0604020202020204" pitchFamily="2" charset="-79"/>
-              </a:rPr>
-              <a:t>rock, paper or </a:t>
-            </a:r>
-            <a:r>
-              <a:rPr lang="en-US" sz="3200" b="0" i="0">
-                <a:solidFill>
-                  <a:srgbClr val="333333"/>
-                </a:solidFill>
-                <a:effectLst/>
-                <a:latin typeface="Gill Sans MT (Body)"/>
-                <a:cs typeface="Assistant" panose="020B0604020202020204" pitchFamily="2" charset="-79"/>
-              </a:rPr>
-              <a:t>scissors</a:t>
-            </a:r>
-            <a:r>
-              <a:rPr lang="en-US" sz="3200" b="0" i="0">
-                <a:solidFill>
-                  <a:srgbClr val="333333"/>
-                </a:solidFill>
-                <a:effectLst/>
-                <a:latin typeface="Assistant" panose="020B0604020202020204" pitchFamily="2" charset="-79"/>
-                <a:cs typeface="Assistant" panose="020B0604020202020204" pitchFamily="2" charset="-79"/>
-              </a:rPr>
-              <a:t>.</a:t>
-            </a:r>
-            <a:endParaRPr lang="he-IL" b="0" i="0" dirty="0">
-              <a:solidFill>
-                <a:srgbClr val="333333"/>
-              </a:solidFill>
-              <a:effectLst/>
-              <a:latin typeface="Assistant" panose="020B0604020202020204" pitchFamily="2" charset="-79"/>
-              <a:cs typeface="Assistant" panose="020B0604020202020204" pitchFamily="2" charset="-79"/>
-            </a:endParaRPr>
-          </a:p>
-          <a:p>
-            <a:pPr>
-              <a:lnSpc>
-                <a:spcPct val="160000"/>
-              </a:lnSpc>
-            </a:pPr>
-            <a:endParaRPr lang="he-IL" dirty="0">
-              <a:solidFill>
-                <a:srgbClr val="333333"/>
-              </a:solidFill>
-              <a:latin typeface="Assistant" panose="020B0604020202020204" pitchFamily="2" charset="-79"/>
-              <a:cs typeface="Assistant" panose="020B0604020202020204" pitchFamily="2" charset="-79"/>
-            </a:endParaRPr>
-          </a:p>
-          <a:p>
-            <a:pPr>
-              <a:lnSpc>
-                <a:spcPct val="160000"/>
-              </a:lnSpc>
-            </a:pPr>
-            <a:endParaRPr lang="en-US" b="0" i="0" dirty="0">
-              <a:solidFill>
-                <a:srgbClr val="333333"/>
-              </a:solidFill>
-              <a:effectLst/>
-              <a:latin typeface="Assistant" panose="020B0604020202020204" pitchFamily="2" charset="-79"/>
-              <a:cs typeface="Assistant" panose="020B0604020202020204" pitchFamily="2" charset="-79"/>
-            </a:endParaRPr>
-          </a:p>
-          <a:p>
-            <a:pPr>
-              <a:lnSpc>
-                <a:spcPct val="160000"/>
-              </a:lnSpc>
-            </a:pPr>
-            <a:endParaRPr lang="LID4096" dirty="0"/>
-          </a:p>
-          <a:p>
-            <a:pPr marL="0" indent="0">
-              <a:lnSpc>
-                <a:spcPct val="160000"/>
-              </a:lnSpc>
-              <a:buNone/>
-            </a:pPr>
-            <a:endParaRPr lang="LID4096" dirty="0"/>
-          </a:p>
-        </p:txBody>
-      </p:sp>
-    </p:spTree>
-    <p:extLst>
-      <p:ext uri="{BB962C8B-B14F-4D97-AF65-F5344CB8AC3E}">
-        <p14:creationId xmlns:p14="http://schemas.microsoft.com/office/powerpoint/2010/main" val="1905381131"/>
-      </p:ext>
-    </p:extLst>
-  </p:cSld>
-  <p:clrMapOvr>
-    <a:masterClrMapping/>
-  </p:clrMapOvr>
-</p:sld>
-</file>
-
-<file path=ppt/slides/slide20.xml><?xml version="1.0" encoding="utf-8"?>
+<file path=ppt/slides/slide22.xml><?xml version="1.0" encoding="utf-8"?>
 <p:sld xmlns:a="http://schemas.openxmlformats.org/drawingml/2006/main" xmlns:r="http://schemas.openxmlformats.org/officeDocument/2006/relationships" xmlns:p="http://schemas.openxmlformats.org/presentationml/2006/main">
   <p:cSld>
     <p:spTree>
